--- a/output/ebook - explorando dicionários em python (template).pptx
+++ b/output/ebook - explorando dicionários em python (template).pptx
@@ -241,7 +241,7 @@
           <a:p>
             <a:fld id="{55E237D1-EB3E-42ED-8017-A3E0F540A544}" type="datetimeFigureOut">
               <a:rPr lang="pt-BR" smtClean="0"/>
-              <a:t>22/05/2024</a:t>
+              <a:t>24/05/2024</a:t>
             </a:fld>
             <a:endParaRPr lang="pt-BR"/>
           </a:p>
@@ -418,7 +418,7 @@
           <a:p>
             <a:fld id="{AE8E0544-B9E7-47A8-ABD7-B3CFDECA6595}" type="datetimeFigureOut">
               <a:rPr lang="pt-BR" smtClean="0"/>
-              <a:t>22/05/2024</a:t>
+              <a:t>24/05/2024</a:t>
             </a:fld>
             <a:endParaRPr lang="pt-BR"/>
           </a:p>
@@ -816,7 +816,7 @@
           <a:p>
             <a:fld id="{CCC30072-6D31-42F3-B5CC-185B6D0A6822}" type="datetime1">
               <a:rPr lang="pt-BR" smtClean="0"/>
-              <a:t>22/05/2024</a:t>
+              <a:t>24/05/2024</a:t>
             </a:fld>
             <a:endParaRPr lang="pt-BR"/>
           </a:p>
@@ -989,7 +989,7 @@
           <a:p>
             <a:fld id="{BDF6D1A7-EFFC-4966-822B-4C00AB2CB4F1}" type="datetime1">
               <a:rPr lang="pt-BR" smtClean="0"/>
-              <a:t>22/05/2024</a:t>
+              <a:t>24/05/2024</a:t>
             </a:fld>
             <a:endParaRPr lang="pt-BR"/>
           </a:p>
@@ -1172,7 +1172,7 @@
           <a:p>
             <a:fld id="{C6FB7C60-0DA7-42D4-A820-E1D03EB49949}" type="datetime1">
               <a:rPr lang="pt-BR" smtClean="0"/>
-              <a:t>22/05/2024</a:t>
+              <a:t>24/05/2024</a:t>
             </a:fld>
             <a:endParaRPr lang="pt-BR"/>
           </a:p>
@@ -1345,7 +1345,7 @@
           <a:p>
             <a:fld id="{6A95A0BC-388F-4CA7-BE51-03B9510F86C7}" type="datetime1">
               <a:rPr lang="pt-BR" smtClean="0"/>
-              <a:t>22/05/2024</a:t>
+              <a:t>24/05/2024</a:t>
             </a:fld>
             <a:endParaRPr lang="pt-BR"/>
           </a:p>
@@ -1592,7 +1592,7 @@
           <a:p>
             <a:fld id="{920B0A53-1723-472B-8809-AF93A93C6B7D}" type="datetime1">
               <a:rPr lang="pt-BR" smtClean="0"/>
-              <a:t>22/05/2024</a:t>
+              <a:t>24/05/2024</a:t>
             </a:fld>
             <a:endParaRPr lang="pt-BR"/>
           </a:p>
@@ -1827,7 +1827,7 @@
           <a:p>
             <a:fld id="{F473D0C2-0B29-4E63-8862-AEF7CD2FD74C}" type="datetime1">
               <a:rPr lang="pt-BR" smtClean="0"/>
-              <a:t>22/05/2024</a:t>
+              <a:t>24/05/2024</a:t>
             </a:fld>
             <a:endParaRPr lang="pt-BR"/>
           </a:p>
@@ -2197,7 +2197,7 @@
           <a:p>
             <a:fld id="{10B68ADD-7F35-4AEB-BEB1-AD3CCDF011CE}" type="datetime1">
               <a:rPr lang="pt-BR" smtClean="0"/>
-              <a:t>22/05/2024</a:t>
+              <a:t>24/05/2024</a:t>
             </a:fld>
             <a:endParaRPr lang="pt-BR"/>
           </a:p>
@@ -2318,7 +2318,7 @@
           <a:p>
             <a:fld id="{ABF6779A-9BC4-4AC0-8880-1B792DDACBDD}" type="datetime1">
               <a:rPr lang="pt-BR" smtClean="0"/>
-              <a:t>22/05/2024</a:t>
+              <a:t>24/05/2024</a:t>
             </a:fld>
             <a:endParaRPr lang="pt-BR"/>
           </a:p>
@@ -2416,7 +2416,7 @@
           <a:p>
             <a:fld id="{E1175754-B528-45A3-9A7A-655123E17D0E}" type="datetime1">
               <a:rPr lang="pt-BR" smtClean="0"/>
-              <a:t>22/05/2024</a:t>
+              <a:t>24/05/2024</a:t>
             </a:fld>
             <a:endParaRPr lang="pt-BR"/>
           </a:p>
@@ -2696,7 +2696,7 @@
           <a:p>
             <a:fld id="{702BC77C-1A26-4515-863F-461CD234F563}" type="datetime1">
               <a:rPr lang="pt-BR" smtClean="0"/>
-              <a:t>22/05/2024</a:t>
+              <a:t>24/05/2024</a:t>
             </a:fld>
             <a:endParaRPr lang="pt-BR"/>
           </a:p>
@@ -2956,7 +2956,7 @@
           <a:p>
             <a:fld id="{2CE6D11F-A570-44DC-98A9-9E7070BCD645}" type="datetime1">
               <a:rPr lang="pt-BR" smtClean="0"/>
-              <a:t>22/05/2024</a:t>
+              <a:t>24/05/2024</a:t>
             </a:fld>
             <a:endParaRPr lang="pt-BR"/>
           </a:p>
@@ -3172,7 +3172,7 @@
           <a:p>
             <a:fld id="{925CAA1B-DFB8-467D-A20E-1BF5C572C99B}" type="datetime1">
               <a:rPr lang="pt-BR" smtClean="0"/>
-              <a:t>22/05/2024</a:t>
+              <a:t>24/05/2024</a:t>
             </a:fld>
             <a:endParaRPr lang="pt-BR"/>
           </a:p>
@@ -4294,10 +4294,10 @@
       </p:sp>
       <p:sp>
         <p:nvSpPr>
-          <p:cNvPr id="12" name="Retângulo 11">
-            <a:extLst>
-              <a:ext uri="{FF2B5EF4-FFF2-40B4-BE49-F238E27FC236}">
-                <a16:creationId xmlns:a16="http://schemas.microsoft.com/office/drawing/2014/main" id="{963CE992-EC67-4E28-9050-B3203844BA22}"/>
+          <p:cNvPr id="14" name="Retângulo 13">
+            <a:extLst>
+              <a:ext uri="{FF2B5EF4-FFF2-40B4-BE49-F238E27FC236}">
+                <a16:creationId xmlns:a16="http://schemas.microsoft.com/office/drawing/2014/main" id="{E9070C15-7F75-49BE-8154-61F2F6502BFA}"/>
               </a:ext>
             </a:extLst>
           </p:cNvPr>
@@ -4318,11 +4318,7 @@
           <a:ln>
             <a:noFill/>
           </a:ln>
-          <a:effectLst>
-            <a:glow rad="127000">
-              <a:schemeClr val="bg1"/>
-            </a:glow>
-          </a:effectLst>
+          <a:effectLst/>
         </p:spPr>
         <p:style>
           <a:lnRef idx="2">
@@ -4702,10 +4698,10 @@
       </p:sp>
       <p:sp>
         <p:nvSpPr>
-          <p:cNvPr id="11" name="Retângulo 10">
-            <a:extLst>
-              <a:ext uri="{FF2B5EF4-FFF2-40B4-BE49-F238E27FC236}">
-                <a16:creationId xmlns:a16="http://schemas.microsoft.com/office/drawing/2014/main" id="{3B12878E-3ECF-4A7B-A629-61070056528B}"/>
+          <p:cNvPr id="12" name="Retângulo 11">
+            <a:extLst>
+              <a:ext uri="{FF2B5EF4-FFF2-40B4-BE49-F238E27FC236}">
+                <a16:creationId xmlns:a16="http://schemas.microsoft.com/office/drawing/2014/main" id="{471DDFDE-7D7C-4EA0-A5AB-237D419D3B70}"/>
               </a:ext>
             </a:extLst>
           </p:cNvPr>
@@ -4726,11 +4722,7 @@
           <a:ln>
             <a:noFill/>
           </a:ln>
-          <a:effectLst>
-            <a:glow rad="127000">
-              <a:schemeClr val="bg1"/>
-            </a:glow>
-          </a:effectLst>
+          <a:effectLst/>
         </p:spPr>
         <p:style>
           <a:lnRef idx="2">
@@ -5402,10 +5394,10 @@
       </p:sp>
       <p:sp>
         <p:nvSpPr>
-          <p:cNvPr id="11" name="Retângulo 10">
-            <a:extLst>
-              <a:ext uri="{FF2B5EF4-FFF2-40B4-BE49-F238E27FC236}">
-                <a16:creationId xmlns:a16="http://schemas.microsoft.com/office/drawing/2014/main" id="{D353AE07-F80B-4AE3-9366-F6D5BACA588C}"/>
+          <p:cNvPr id="12" name="Retângulo 11">
+            <a:extLst>
+              <a:ext uri="{FF2B5EF4-FFF2-40B4-BE49-F238E27FC236}">
+                <a16:creationId xmlns:a16="http://schemas.microsoft.com/office/drawing/2014/main" id="{00FA1FE4-AC07-46B5-AF72-8EB05276067E}"/>
               </a:ext>
             </a:extLst>
           </p:cNvPr>
@@ -5426,11 +5418,7 @@
           <a:ln>
             <a:noFill/>
           </a:ln>
-          <a:effectLst>
-            <a:glow rad="127000">
-              <a:schemeClr val="bg1"/>
-            </a:glow>
-          </a:effectLst>
+          <a:effectLst/>
         </p:spPr>
         <p:style>
           <a:lnRef idx="2">
@@ -5770,10 +5758,10 @@
       </p:sp>
       <p:sp>
         <p:nvSpPr>
-          <p:cNvPr id="11" name="Retângulo 10">
-            <a:extLst>
-              <a:ext uri="{FF2B5EF4-FFF2-40B4-BE49-F238E27FC236}">
-                <a16:creationId xmlns:a16="http://schemas.microsoft.com/office/drawing/2014/main" id="{F590F645-74E7-4F42-A884-679F3CC14C77}"/>
+          <p:cNvPr id="12" name="Retângulo 11">
+            <a:extLst>
+              <a:ext uri="{FF2B5EF4-FFF2-40B4-BE49-F238E27FC236}">
+                <a16:creationId xmlns:a16="http://schemas.microsoft.com/office/drawing/2014/main" id="{082E5C39-C0E2-4D8B-84E7-FC3C0F491922}"/>
               </a:ext>
             </a:extLst>
           </p:cNvPr>
@@ -5794,11 +5782,7 @@
           <a:ln>
             <a:noFill/>
           </a:ln>
-          <a:effectLst>
-            <a:glow rad="127000">
-              <a:schemeClr val="bg1"/>
-            </a:glow>
-          </a:effectLst>
+          <a:effectLst/>
         </p:spPr>
         <p:style>
           <a:lnRef idx="2">
@@ -6362,10 +6346,118 @@
       </p:pic>
       <p:sp>
         <p:nvSpPr>
-          <p:cNvPr id="14" name="Retângulo 13">
-            <a:extLst>
-              <a:ext uri="{FF2B5EF4-FFF2-40B4-BE49-F238E27FC236}">
-                <a16:creationId xmlns:a16="http://schemas.microsoft.com/office/drawing/2014/main" id="{B22507EB-C8CB-4BB8-AC93-D4FA371EF119}"/>
+          <p:cNvPr id="16" name="Espaço Reservado para Rodapé 9">
+            <a:extLst>
+              <a:ext uri="{FF2B5EF4-FFF2-40B4-BE49-F238E27FC236}">
+                <a16:creationId xmlns:a16="http://schemas.microsoft.com/office/drawing/2014/main" id="{4F64D84B-422E-41F1-A523-846AE36C49DC}"/>
+              </a:ext>
+            </a:extLst>
+          </p:cNvPr>
+          <p:cNvSpPr>
+            <a:spLocks noGrp="1"/>
+          </p:cNvSpPr>
+          <p:nvPr>
+            <p:ph type="ftr" sz="quarter" idx="11"/>
+          </p:nvPr>
+        </p:nvSpPr>
+        <p:spPr>
+          <a:xfrm>
+            <a:off x="2827473" y="12009567"/>
+            <a:ext cx="3942297" cy="681567"/>
+          </a:xfrm>
+        </p:spPr>
+        <p:txBody>
+          <a:bodyPr/>
+          <a:lstStyle/>
+          <a:p>
+            <a:r>
+              <a:rPr lang="pt-BR" dirty="0"/>
+              <a:t>COLEÇÕES NO MUNDO INVERTIDO – PEDRO AUGUSTO</a:t>
+            </a:r>
+          </a:p>
+        </p:txBody>
+      </p:sp>
+      <p:pic>
+        <p:nvPicPr>
+          <p:cNvPr id="15" name="Imagem 14">
+            <a:extLst>
+              <a:ext uri="{FF2B5EF4-FFF2-40B4-BE49-F238E27FC236}">
+                <a16:creationId xmlns:a16="http://schemas.microsoft.com/office/drawing/2014/main" id="{0A9B973D-1BE6-48F2-885B-329E57C8BF7E}"/>
+              </a:ext>
+            </a:extLst>
+          </p:cNvPr>
+          <p:cNvPicPr>
+            <a:picLocks noChangeAspect="1"/>
+          </p:cNvPicPr>
+          <p:nvPr/>
+        </p:nvPicPr>
+        <p:blipFill>
+          <a:blip r:embed="rId3">
+            <a:extLst>
+              <a:ext uri="{BEBA8EAE-BF5A-486C-A8C5-ECC9F3942E4B}">
+                <a14:imgProps xmlns:a14="http://schemas.microsoft.com/office/drawing/2010/main">
+                  <a14:imgLayer r:embed="rId4">
+                    <a14:imgEffect>
+                      <a14:saturation sat="0"/>
+                    </a14:imgEffect>
+                  </a14:imgLayer>
+                </a14:imgProps>
+              </a:ext>
+              <a:ext uri="{28A0092B-C50C-407E-A947-70E740481C1C}">
+                <a14:useLocalDpi xmlns:a14="http://schemas.microsoft.com/office/drawing/2010/main" val="0"/>
+              </a:ext>
+            </a:extLst>
+          </a:blip>
+          <a:stretch>
+            <a:fillRect/>
+          </a:stretch>
+        </p:blipFill>
+        <p:spPr>
+          <a:xfrm>
+            <a:off x="3563128" y="11525043"/>
+            <a:ext cx="2470986" cy="732144"/>
+          </a:xfrm>
+          <a:prstGeom prst="rect">
+            <a:avLst/>
+          </a:prstGeom>
+        </p:spPr>
+      </p:pic>
+      <p:pic>
+        <p:nvPicPr>
+          <p:cNvPr id="10" name="Imagem 9">
+            <a:extLst>
+              <a:ext uri="{FF2B5EF4-FFF2-40B4-BE49-F238E27FC236}">
+                <a16:creationId xmlns:a16="http://schemas.microsoft.com/office/drawing/2014/main" id="{E2FFE9F0-962C-4224-834F-FA18EAACE301}"/>
+              </a:ext>
+            </a:extLst>
+          </p:cNvPr>
+          <p:cNvPicPr>
+            <a:picLocks noChangeAspect="1"/>
+          </p:cNvPicPr>
+          <p:nvPr/>
+        </p:nvPicPr>
+        <p:blipFill>
+          <a:blip r:embed="rId5"/>
+          <a:stretch>
+            <a:fillRect/>
+          </a:stretch>
+        </p:blipFill>
+        <p:spPr>
+          <a:xfrm>
+            <a:off x="153224" y="6789514"/>
+            <a:ext cx="9327660" cy="4708959"/>
+          </a:xfrm>
+          <a:prstGeom prst="rect">
+            <a:avLst/>
+          </a:prstGeom>
+        </p:spPr>
+      </p:pic>
+      <p:sp>
+        <p:nvSpPr>
+          <p:cNvPr id="11" name="Retângulo 10">
+            <a:extLst>
+              <a:ext uri="{FF2B5EF4-FFF2-40B4-BE49-F238E27FC236}">
+                <a16:creationId xmlns:a16="http://schemas.microsoft.com/office/drawing/2014/main" id="{E7E6295C-1012-4F05-B8B3-5343BB2ABE06}"/>
               </a:ext>
             </a:extLst>
           </p:cNvPr>
@@ -6386,11 +6478,7 @@
           <a:ln>
             <a:noFill/>
           </a:ln>
-          <a:effectLst>
-            <a:glow rad="127000">
-              <a:schemeClr val="bg1"/>
-            </a:glow>
-          </a:effectLst>
+          <a:effectLst/>
         </p:spPr>
         <p:style>
           <a:lnRef idx="2">
@@ -6417,114 +6505,6 @@
           </a:p>
         </p:txBody>
       </p:sp>
-      <p:sp>
-        <p:nvSpPr>
-          <p:cNvPr id="16" name="Espaço Reservado para Rodapé 9">
-            <a:extLst>
-              <a:ext uri="{FF2B5EF4-FFF2-40B4-BE49-F238E27FC236}">
-                <a16:creationId xmlns:a16="http://schemas.microsoft.com/office/drawing/2014/main" id="{4F64D84B-422E-41F1-A523-846AE36C49DC}"/>
-              </a:ext>
-            </a:extLst>
-          </p:cNvPr>
-          <p:cNvSpPr>
-            <a:spLocks noGrp="1"/>
-          </p:cNvSpPr>
-          <p:nvPr>
-            <p:ph type="ftr" sz="quarter" idx="11"/>
-          </p:nvPr>
-        </p:nvSpPr>
-        <p:spPr>
-          <a:xfrm>
-            <a:off x="2827473" y="12009567"/>
-            <a:ext cx="3942297" cy="681567"/>
-          </a:xfrm>
-        </p:spPr>
-        <p:txBody>
-          <a:bodyPr/>
-          <a:lstStyle/>
-          <a:p>
-            <a:r>
-              <a:rPr lang="pt-BR" dirty="0"/>
-              <a:t>COLEÇÕES NO MUNDO INVERTIDO – PEDRO AUGUSTO</a:t>
-            </a:r>
-          </a:p>
-        </p:txBody>
-      </p:sp>
-      <p:pic>
-        <p:nvPicPr>
-          <p:cNvPr id="15" name="Imagem 14">
-            <a:extLst>
-              <a:ext uri="{FF2B5EF4-FFF2-40B4-BE49-F238E27FC236}">
-                <a16:creationId xmlns:a16="http://schemas.microsoft.com/office/drawing/2014/main" id="{0A9B973D-1BE6-48F2-885B-329E57C8BF7E}"/>
-              </a:ext>
-            </a:extLst>
-          </p:cNvPr>
-          <p:cNvPicPr>
-            <a:picLocks noChangeAspect="1"/>
-          </p:cNvPicPr>
-          <p:nvPr/>
-        </p:nvPicPr>
-        <p:blipFill>
-          <a:blip r:embed="rId3">
-            <a:extLst>
-              <a:ext uri="{BEBA8EAE-BF5A-486C-A8C5-ECC9F3942E4B}">
-                <a14:imgProps xmlns:a14="http://schemas.microsoft.com/office/drawing/2010/main">
-                  <a14:imgLayer r:embed="rId4">
-                    <a14:imgEffect>
-                      <a14:saturation sat="0"/>
-                    </a14:imgEffect>
-                  </a14:imgLayer>
-                </a14:imgProps>
-              </a:ext>
-              <a:ext uri="{28A0092B-C50C-407E-A947-70E740481C1C}">
-                <a14:useLocalDpi xmlns:a14="http://schemas.microsoft.com/office/drawing/2010/main" val="0"/>
-              </a:ext>
-            </a:extLst>
-          </a:blip>
-          <a:stretch>
-            <a:fillRect/>
-          </a:stretch>
-        </p:blipFill>
-        <p:spPr>
-          <a:xfrm>
-            <a:off x="3563128" y="11525043"/>
-            <a:ext cx="2470986" cy="732144"/>
-          </a:xfrm>
-          <a:prstGeom prst="rect">
-            <a:avLst/>
-          </a:prstGeom>
-        </p:spPr>
-      </p:pic>
-      <p:pic>
-        <p:nvPicPr>
-          <p:cNvPr id="10" name="Imagem 9">
-            <a:extLst>
-              <a:ext uri="{FF2B5EF4-FFF2-40B4-BE49-F238E27FC236}">
-                <a16:creationId xmlns:a16="http://schemas.microsoft.com/office/drawing/2014/main" id="{E2FFE9F0-962C-4224-834F-FA18EAACE301}"/>
-              </a:ext>
-            </a:extLst>
-          </p:cNvPr>
-          <p:cNvPicPr>
-            <a:picLocks noChangeAspect="1"/>
-          </p:cNvPicPr>
-          <p:nvPr/>
-        </p:nvPicPr>
-        <p:blipFill>
-          <a:blip r:embed="rId5"/>
-          <a:stretch>
-            <a:fillRect/>
-          </a:stretch>
-        </p:blipFill>
-        <p:spPr>
-          <a:xfrm>
-            <a:off x="153224" y="6789514"/>
-            <a:ext cx="9327660" cy="4708959"/>
-          </a:xfrm>
-          <a:prstGeom prst="rect">
-            <a:avLst/>
-          </a:prstGeom>
-        </p:spPr>
-      </p:pic>
     </p:spTree>
     <p:extLst>
       <p:ext uri="{BB962C8B-B14F-4D97-AF65-F5344CB8AC3E}">
@@ -6819,10 +6799,10 @@
       </p:sp>
       <p:sp>
         <p:nvSpPr>
-          <p:cNvPr id="21" name="Retângulo 20">
-            <a:extLst>
-              <a:ext uri="{FF2B5EF4-FFF2-40B4-BE49-F238E27FC236}">
-                <a16:creationId xmlns:a16="http://schemas.microsoft.com/office/drawing/2014/main" id="{7957E374-CC9F-4809-A2C9-FCBB2542DAEB}"/>
+          <p:cNvPr id="10" name="Retângulo 9">
+            <a:extLst>
+              <a:ext uri="{FF2B5EF4-FFF2-40B4-BE49-F238E27FC236}">
+                <a16:creationId xmlns:a16="http://schemas.microsoft.com/office/drawing/2014/main" id="{02338D47-8AA9-4400-A65E-E5DD0A6B6B7F}"/>
               </a:ext>
             </a:extLst>
           </p:cNvPr>
@@ -6843,11 +6823,7 @@
           <a:ln>
             <a:noFill/>
           </a:ln>
-          <a:effectLst>
-            <a:glow rad="127000">
-              <a:schemeClr val="bg1"/>
-            </a:glow>
-          </a:effectLst>
+          <a:effectLst/>
         </p:spPr>
         <p:style>
           <a:lnRef idx="2">
@@ -7194,7 +7170,7 @@
             </a:br>
             <a:r>
               <a:rPr lang="pt-BR" sz="2400" dirty="0"/>
-              <a:t>Aprender esta ferramenta é imprescindível para aqueles que desejam avançar em desenvolvimento com essa linguagem. Portanto, fiz questão de gerar um material que ilustrasse bem sua importância e aplicação no dia-a-dia da programação, e que trouxesse funcionalidades interessantes – para que o conteúdo servisse até mesmo como fonte de consulta em caso de futuras dúvidas.</a:t>
+              <a:t>Aprender esta ferramenta é imprescindível para aqueles que desejam avançar em desenvolvimento com essa linguagem. Portanto, fiz questão de gerar um material que ilustrasse bem sua importância e aplicação no dia a dia da programação, e que trouxesse funcionalidades interessantes – para que o conteúdo servisse até mesmo como fonte de consulta em caso de futuras dúvidas.</a:t>
             </a:r>
           </a:p>
           <a:p>
@@ -7442,10 +7418,43 @@
       </p:sp>
       <p:sp>
         <p:nvSpPr>
-          <p:cNvPr id="18" name="Retângulo 17">
-            <a:extLst>
-              <a:ext uri="{FF2B5EF4-FFF2-40B4-BE49-F238E27FC236}">
-                <a16:creationId xmlns:a16="http://schemas.microsoft.com/office/drawing/2014/main" id="{CF0C0796-AE85-4CD6-ADAA-57F2DC400167}"/>
+          <p:cNvPr id="10" name="Espaço Reservado para Rodapé 9">
+            <a:extLst>
+              <a:ext uri="{FF2B5EF4-FFF2-40B4-BE49-F238E27FC236}">
+                <a16:creationId xmlns:a16="http://schemas.microsoft.com/office/drawing/2014/main" id="{37517074-818F-4CCE-93F8-E1AFA6287A0A}"/>
+              </a:ext>
+            </a:extLst>
+          </p:cNvPr>
+          <p:cNvSpPr>
+            <a:spLocks noGrp="1"/>
+          </p:cNvSpPr>
+          <p:nvPr>
+            <p:ph type="ftr" sz="quarter" idx="11"/>
+          </p:nvPr>
+        </p:nvSpPr>
+        <p:spPr>
+          <a:xfrm>
+            <a:off x="2827473" y="11865189"/>
+            <a:ext cx="3942297" cy="681567"/>
+          </a:xfrm>
+        </p:spPr>
+        <p:txBody>
+          <a:bodyPr/>
+          <a:lstStyle/>
+          <a:p>
+            <a:r>
+              <a:rPr lang="pt-BR" dirty="0"/>
+              <a:t>COLEÇÕES NO MUNDO INVERTIDO – PEDRO AUGUSTO</a:t>
+            </a:r>
+          </a:p>
+        </p:txBody>
+      </p:sp>
+      <p:sp>
+        <p:nvSpPr>
+          <p:cNvPr id="11" name="Retângulo 10">
+            <a:extLst>
+              <a:ext uri="{FF2B5EF4-FFF2-40B4-BE49-F238E27FC236}">
+                <a16:creationId xmlns:a16="http://schemas.microsoft.com/office/drawing/2014/main" id="{6EB2FE71-8624-4EAF-883D-4DA0CCA8FE2B}"/>
               </a:ext>
             </a:extLst>
           </p:cNvPr>
@@ -7454,7 +7463,7 @@
         </p:nvSpPr>
         <p:spPr>
           <a:xfrm>
-            <a:off x="944860" y="1493004"/>
+            <a:off x="944860" y="1428836"/>
             <a:ext cx="7731978" cy="106262"/>
           </a:xfrm>
           <a:prstGeom prst="rect">
@@ -7466,11 +7475,7 @@
           <a:ln>
             <a:noFill/>
           </a:ln>
-          <a:effectLst>
-            <a:glow rad="127000">
-              <a:schemeClr val="bg1"/>
-            </a:glow>
-          </a:effectLst>
+          <a:effectLst/>
         </p:spPr>
         <p:style>
           <a:lnRef idx="2">
@@ -7494,39 +7499,6 @@
           <a:p>
             <a:pPr algn="ctr"/>
             <a:endParaRPr lang="pt-BR"/>
-          </a:p>
-        </p:txBody>
-      </p:sp>
-      <p:sp>
-        <p:nvSpPr>
-          <p:cNvPr id="10" name="Espaço Reservado para Rodapé 9">
-            <a:extLst>
-              <a:ext uri="{FF2B5EF4-FFF2-40B4-BE49-F238E27FC236}">
-                <a16:creationId xmlns:a16="http://schemas.microsoft.com/office/drawing/2014/main" id="{37517074-818F-4CCE-93F8-E1AFA6287A0A}"/>
-              </a:ext>
-            </a:extLst>
-          </p:cNvPr>
-          <p:cNvSpPr>
-            <a:spLocks noGrp="1"/>
-          </p:cNvSpPr>
-          <p:nvPr>
-            <p:ph type="ftr" sz="quarter" idx="11"/>
-          </p:nvPr>
-        </p:nvSpPr>
-        <p:spPr>
-          <a:xfrm>
-            <a:off x="2827473" y="11865189"/>
-            <a:ext cx="3942297" cy="681567"/>
-          </a:xfrm>
-        </p:spPr>
-        <p:txBody>
-          <a:bodyPr/>
-          <a:lstStyle/>
-          <a:p>
-            <a:r>
-              <a:rPr lang="pt-BR" dirty="0"/>
-              <a:t>COLEÇÕES NO MUNDO INVERTIDO – PEDRO AUGUSTO</a:t>
-            </a:r>
           </a:p>
         </p:txBody>
       </p:sp>
@@ -7776,11 +7748,7 @@
           <a:ln>
             <a:noFill/>
           </a:ln>
-          <a:effectLst>
-            <a:glow rad="127000">
-              <a:schemeClr val="bg1"/>
-            </a:glow>
-          </a:effectLst>
+          <a:effectLst/>
         </p:spPr>
         <p:style>
           <a:lnRef idx="2">
@@ -8529,11 +8497,7 @@
           <a:ln>
             <a:noFill/>
           </a:ln>
-          <a:effectLst>
-            <a:glow rad="127000">
-              <a:schemeClr val="bg1"/>
-            </a:glow>
-          </a:effectLst>
+          <a:effectLst/>
         </p:spPr>
         <p:style>
           <a:lnRef idx="2">
@@ -8899,10 +8863,10 @@
       </p:sp>
       <p:sp>
         <p:nvSpPr>
-          <p:cNvPr id="12" name="Retângulo 11">
-            <a:extLst>
-              <a:ext uri="{FF2B5EF4-FFF2-40B4-BE49-F238E27FC236}">
-                <a16:creationId xmlns:a16="http://schemas.microsoft.com/office/drawing/2014/main" id="{4449F3CC-D0B8-4A86-A8D0-F59663647460}"/>
+          <p:cNvPr id="15" name="Retângulo 14">
+            <a:extLst>
+              <a:ext uri="{FF2B5EF4-FFF2-40B4-BE49-F238E27FC236}">
+                <a16:creationId xmlns:a16="http://schemas.microsoft.com/office/drawing/2014/main" id="{7604F820-15C0-4844-A56B-2E068268FDB2}"/>
               </a:ext>
             </a:extLst>
           </p:cNvPr>
@@ -8923,11 +8887,7 @@
           <a:ln>
             <a:noFill/>
           </a:ln>
-          <a:effectLst>
-            <a:glow rad="127000">
-              <a:schemeClr val="bg1"/>
-            </a:glow>
-          </a:effectLst>
+          <a:effectLst/>
         </p:spPr>
         <p:style>
           <a:lnRef idx="2">
@@ -9592,10 +9552,10 @@
       </p:sp>
       <p:sp>
         <p:nvSpPr>
-          <p:cNvPr id="12" name="Retângulo 11">
-            <a:extLst>
-              <a:ext uri="{FF2B5EF4-FFF2-40B4-BE49-F238E27FC236}">
-                <a16:creationId xmlns:a16="http://schemas.microsoft.com/office/drawing/2014/main" id="{73FBCBB3-F4DA-4D4C-8981-313459F8B8B0}"/>
+          <p:cNvPr id="14" name="Retângulo 13">
+            <a:extLst>
+              <a:ext uri="{FF2B5EF4-FFF2-40B4-BE49-F238E27FC236}">
+                <a16:creationId xmlns:a16="http://schemas.microsoft.com/office/drawing/2014/main" id="{D51DA1A1-DFF2-47A1-AC4F-A19BDC9E14A2}"/>
               </a:ext>
             </a:extLst>
           </p:cNvPr>
@@ -9616,11 +9576,7 @@
           <a:ln>
             <a:noFill/>
           </a:ln>
-          <a:effectLst>
-            <a:glow rad="127000">
-              <a:schemeClr val="bg1"/>
-            </a:glow>
-          </a:effectLst>
+          <a:effectLst/>
         </p:spPr>
         <p:style>
           <a:lnRef idx="2">
@@ -9949,10 +9905,10 @@
       </p:sp>
       <p:sp>
         <p:nvSpPr>
-          <p:cNvPr id="11" name="Retângulo 10">
-            <a:extLst>
-              <a:ext uri="{FF2B5EF4-FFF2-40B4-BE49-F238E27FC236}">
-                <a16:creationId xmlns:a16="http://schemas.microsoft.com/office/drawing/2014/main" id="{AA19A9C3-1219-4C92-9CCD-5F66BD7D20C6}"/>
+          <p:cNvPr id="12" name="Retângulo 11">
+            <a:extLst>
+              <a:ext uri="{FF2B5EF4-FFF2-40B4-BE49-F238E27FC236}">
+                <a16:creationId xmlns:a16="http://schemas.microsoft.com/office/drawing/2014/main" id="{71BD7B24-3023-471F-9EE9-C9CFB49C488E}"/>
               </a:ext>
             </a:extLst>
           </p:cNvPr>
@@ -9973,11 +9929,7 @@
           <a:ln>
             <a:noFill/>
           </a:ln>
-          <a:effectLst>
-            <a:glow rad="127000">
-              <a:schemeClr val="bg1"/>
-            </a:glow>
-          </a:effectLst>
+          <a:effectLst/>
         </p:spPr>
         <p:style>
           <a:lnRef idx="2">
